--- a/om_02_OpenMash VistA Integration Cases.pptx
+++ b/om_02_OpenMash VistA Integration Cases.pptx
@@ -5,10 +5,10 @@
     <p:sldMasterId id="2147483648" r:id="rId1"/>
   </p:sldMasterIdLst>
   <p:notesMasterIdLst>
-    <p:notesMasterId r:id="rId17"/>
+    <p:notesMasterId r:id="rId24"/>
   </p:notesMasterIdLst>
   <p:handoutMasterIdLst>
-    <p:handoutMasterId r:id="rId18"/>
+    <p:handoutMasterId r:id="rId25"/>
   </p:handoutMasterIdLst>
   <p:sldIdLst>
     <p:sldId id="256" r:id="rId2"/>
@@ -26,6 +26,13 @@
     <p:sldId id="294" r:id="rId14"/>
     <p:sldId id="283" r:id="rId15"/>
     <p:sldId id="290" r:id="rId16"/>
+    <p:sldId id="299" r:id="rId17"/>
+    <p:sldId id="296" r:id="rId18"/>
+    <p:sldId id="297" r:id="rId19"/>
+    <p:sldId id="298" r:id="rId20"/>
+    <p:sldId id="300" r:id="rId21"/>
+    <p:sldId id="301" r:id="rId22"/>
+    <p:sldId id="302" r:id="rId23"/>
   </p:sldIdLst>
   <p:sldSz cx="9144000" cy="6858000" type="screen4x3"/>
   <p:notesSz cx="6858000" cy="9144000"/>
@@ -1460,7 +1467,7 @@
               </a14:hiddenLine>
             </a:ext>
             <a:ext uri="{FAA26D3D-D897-4be2-8F04-BA451C77F1D7}">
-              <ma14:placeholderFlag xmlns="" xmlns:ma14="http://schemas.microsoft.com/office/mac/drawingml/2011/main" val="1"/>
+              <ma14:placeholderFlag xmlns:ma14="http://schemas.microsoft.com/office/mac/drawingml/2011/main" xmlns="" val="1"/>
             </a:ext>
           </a:extLst>
         </p:spPr>
@@ -1522,7 +1529,7 @@
               </a14:hiddenLine>
             </a:ext>
             <a:ext uri="{FAA26D3D-D897-4be2-8F04-BA451C77F1D7}">
-              <ma14:placeholderFlag xmlns="" xmlns:ma14="http://schemas.microsoft.com/office/mac/drawingml/2011/main" val="1"/>
+              <ma14:placeholderFlag xmlns:ma14="http://schemas.microsoft.com/office/mac/drawingml/2011/main" xmlns="" val="1"/>
             </a:ext>
           </a:extLst>
         </p:spPr>
@@ -2602,11 +2609,7 @@
           <a:p>
             <a:r>
               <a:rPr lang="en-US" sz="2800" dirty="0" smtClean="0"/>
-              <a:t>Integrate VistA with </a:t>
-            </a:r>
-            <a:r>
-              <a:rPr lang="en-US" sz="2800" dirty="0" smtClean="0"/>
-              <a:t>Standards Base Calendar</a:t>
+              <a:t>Integrate VistA with Standards Base Calendar</a:t>
             </a:r>
             <a:endParaRPr lang="en-US" sz="2800" dirty="0"/>
           </a:p>
@@ -2634,17 +2637,8 @@
           <a:p>
             <a:r>
               <a:rPr lang="en-US" dirty="0" smtClean="0"/>
-              <a:t>Route </a:t>
-            </a:r>
-            <a:r>
-              <a:rPr lang="en-US" dirty="0" smtClean="0"/>
-              <a:t>and mediate an </a:t>
-            </a:r>
-            <a:r>
-              <a:rPr lang="en-US" dirty="0" smtClean="0"/>
-              <a:t>HL7 message from VistA to create an Appointment </a:t>
-            </a:r>
-            <a:endParaRPr lang="en-US" dirty="0" smtClean="0"/>
+              <a:t>Route and mediate an HL7 message from VistA to create an Appointment </a:t>
+            </a:r>
           </a:p>
           <a:p>
             <a:pPr lvl="1"/>
@@ -3607,11 +3601,7 @@
           <a:p>
             <a:r>
               <a:rPr lang="en-US" dirty="0" smtClean="0"/>
-              <a:t>Replay messages </a:t>
-            </a:r>
-            <a:r>
-              <a:rPr lang="en-US" dirty="0" smtClean="0"/>
-              <a:t>with Camel </a:t>
+              <a:t>Replay messages with Camel </a:t>
             </a:r>
             <a:r>
               <a:rPr lang="en-US" dirty="0" err="1" smtClean="0"/>
@@ -3645,11 +3635,7 @@
           <a:p>
             <a:r>
               <a:rPr lang="en-US" dirty="0" smtClean="0"/>
-              <a:t>Play </a:t>
-            </a:r>
-            <a:r>
-              <a:rPr lang="en-US" dirty="0" smtClean="0"/>
-              <a:t>VistA RPC commands from script</a:t>
+              <a:t>Play VistA RPC commands from script</a:t>
             </a:r>
           </a:p>
         </p:txBody>
@@ -3801,48 +3787,16 @@
           <a:p>
             <a:r>
               <a:rPr lang="en-US" dirty="0" smtClean="0"/>
-              <a:t>Camel runs </a:t>
-            </a:r>
+              <a:t>Camel runs in any Java environment, i.e. JVM, servlet, JEE, OSGI. </a:t>
+            </a:r>
+          </a:p>
+          <a:p>
+            <a:endParaRPr lang="en-US" dirty="0" smtClean="0"/>
+          </a:p>
+          <a:p>
             <a:r>
               <a:rPr lang="en-US" dirty="0" smtClean="0"/>
-              <a:t>in </a:t>
-            </a:r>
-            <a:r>
-              <a:rPr lang="en-US" dirty="0" smtClean="0"/>
-              <a:t>any </a:t>
-            </a:r>
-            <a:r>
-              <a:rPr lang="en-US" dirty="0" smtClean="0"/>
-              <a:t>Java environment, i.e. </a:t>
-            </a:r>
-            <a:r>
-              <a:rPr lang="en-US" dirty="0" smtClean="0"/>
-              <a:t>JVM, servlet, JEE, OSGI. </a:t>
-            </a:r>
-          </a:p>
-          <a:p>
-            <a:endParaRPr lang="en-US" dirty="0" smtClean="0"/>
-          </a:p>
-          <a:p>
-            <a:r>
-              <a:rPr lang="en-US" dirty="0" smtClean="0"/>
-              <a:t>Dynamic </a:t>
-            </a:r>
-            <a:r>
-              <a:rPr lang="en-US" dirty="0" smtClean="0"/>
-              <a:t>proxies </a:t>
-            </a:r>
-            <a:r>
-              <a:rPr lang="en-US" dirty="0" smtClean="0"/>
-              <a:t>for lightweight</a:t>
-            </a:r>
-            <a:r>
-              <a:rPr lang="en-US" dirty="0" smtClean="0"/>
-              <a:t>, </a:t>
-            </a:r>
-            <a:r>
-              <a:rPr lang="en-US" dirty="0" smtClean="0"/>
-              <a:t>non-invasive client allows existing VistA Clients to be adapted to new environment</a:t>
+              <a:t>Dynamic proxies for lightweight, non-invasive client allows existing VistA Clients to be adapted to new environment</a:t>
             </a:r>
           </a:p>
           <a:p>
@@ -3924,6 +3878,1026 @@
     <p:extLst>
       <p:ext uri="{BB962C8B-B14F-4D97-AF65-F5344CB8AC3E}">
         <p14:creationId xmlns:p14="http://schemas.microsoft.com/office/powerpoint/2010/main" val="3151166555"/>
+      </p:ext>
+    </p:extLst>
+  </p:cSld>
+  <p:clrMapOvr>
+    <a:masterClrMapping/>
+  </p:clrMapOvr>
+</p:sld>
+</file>
+
+<file path=ppt/slides/slide16.xml><?xml version="1.0" encoding="utf-8"?>
+<p:sld xmlns:a="http://schemas.openxmlformats.org/drawingml/2006/main" xmlns:r="http://schemas.openxmlformats.org/officeDocument/2006/relationships" xmlns:p="http://schemas.openxmlformats.org/presentationml/2006/main">
+  <p:cSld>
+    <p:spTree>
+      <p:nvGrpSpPr>
+        <p:cNvPr id="1" name=""/>
+        <p:cNvGrpSpPr/>
+        <p:nvPr/>
+      </p:nvGrpSpPr>
+      <p:grpSpPr>
+        <a:xfrm>
+          <a:off x="0" y="0"/>
+          <a:ext cx="0" cy="0"/>
+          <a:chOff x="0" y="0"/>
+          <a:chExt cx="0" cy="0"/>
+        </a:xfrm>
+      </p:grpSpPr>
+      <p:sp>
+        <p:nvSpPr>
+          <p:cNvPr id="5" name="Title 4"/>
+          <p:cNvSpPr>
+            <a:spLocks noGrp="1"/>
+          </p:cNvSpPr>
+          <p:nvPr>
+            <p:ph type="title"/>
+          </p:nvPr>
+        </p:nvSpPr>
+        <p:spPr>
+          <a:xfrm>
+            <a:off x="540328" y="2456033"/>
+            <a:ext cx="8229600" cy="846138"/>
+          </a:xfrm>
+        </p:spPr>
+        <p:txBody>
+          <a:bodyPr/>
+          <a:lstStyle/>
+          <a:p>
+            <a:pPr algn="ctr"/>
+            <a:r>
+              <a:rPr lang="en-US" dirty="0" smtClean="0"/>
+              <a:t>VistA HL7 Integration Procedure</a:t>
+            </a:r>
+            <a:endParaRPr lang="en-US" dirty="0"/>
+          </a:p>
+        </p:txBody>
+      </p:sp>
+      <p:sp>
+        <p:nvSpPr>
+          <p:cNvPr id="4" name="Footer Placeholder 3"/>
+          <p:cNvSpPr>
+            <a:spLocks noGrp="1"/>
+          </p:cNvSpPr>
+          <p:nvPr>
+            <p:ph type="ftr" sz="quarter" idx="10"/>
+          </p:nvPr>
+        </p:nvSpPr>
+        <p:spPr/>
+        <p:txBody>
+          <a:bodyPr/>
+          <a:lstStyle/>
+          <a:p>
+            <a:pPr>
+              <a:defRPr/>
+            </a:pPr>
+            <a:r>
+              <a:rPr lang="en-US" smtClean="0"/>
+              <a:t>© Talend 2013</a:t>
+            </a:r>
+            <a:endParaRPr lang="fr-FR"/>
+          </a:p>
+        </p:txBody>
+      </p:sp>
+    </p:spTree>
+    <p:extLst>
+      <p:ext uri="{BB962C8B-B14F-4D97-AF65-F5344CB8AC3E}">
+        <p14:creationId xmlns:p14="http://schemas.microsoft.com/office/powerpoint/2010/main" val="281417586"/>
+      </p:ext>
+    </p:extLst>
+  </p:cSld>
+  <p:clrMapOvr>
+    <a:masterClrMapping/>
+  </p:clrMapOvr>
+</p:sld>
+</file>
+
+<file path=ppt/slides/slide17.xml><?xml version="1.0" encoding="utf-8"?>
+<p:sld xmlns:a="http://schemas.openxmlformats.org/drawingml/2006/main" xmlns:r="http://schemas.openxmlformats.org/officeDocument/2006/relationships" xmlns:p="http://schemas.openxmlformats.org/presentationml/2006/main">
+  <p:cSld>
+    <p:spTree>
+      <p:nvGrpSpPr>
+        <p:cNvPr id="1" name=""/>
+        <p:cNvGrpSpPr/>
+        <p:nvPr/>
+      </p:nvGrpSpPr>
+      <p:grpSpPr>
+        <a:xfrm>
+          <a:off x="0" y="0"/>
+          <a:ext cx="0" cy="0"/>
+          <a:chOff x="0" y="0"/>
+          <a:chExt cx="0" cy="0"/>
+        </a:xfrm>
+      </p:grpSpPr>
+      <p:sp>
+        <p:nvSpPr>
+          <p:cNvPr id="2" name="Title 1"/>
+          <p:cNvSpPr>
+            <a:spLocks noGrp="1"/>
+          </p:cNvSpPr>
+          <p:nvPr>
+            <p:ph type="title"/>
+          </p:nvPr>
+        </p:nvSpPr>
+        <p:spPr/>
+        <p:txBody>
+          <a:bodyPr/>
+          <a:lstStyle/>
+          <a:p>
+            <a:r>
+              <a:rPr lang="en-US" dirty="0" smtClean="0"/>
+              <a:t>Route Configuration</a:t>
+            </a:r>
+            <a:endParaRPr lang="en-US" dirty="0"/>
+          </a:p>
+        </p:txBody>
+      </p:sp>
+      <p:sp>
+        <p:nvSpPr>
+          <p:cNvPr id="4" name="Footer Placeholder 3"/>
+          <p:cNvSpPr>
+            <a:spLocks noGrp="1"/>
+          </p:cNvSpPr>
+          <p:nvPr>
+            <p:ph type="ftr" sz="quarter" idx="10"/>
+          </p:nvPr>
+        </p:nvSpPr>
+        <p:spPr/>
+        <p:txBody>
+          <a:bodyPr/>
+          <a:lstStyle/>
+          <a:p>
+            <a:pPr>
+              <a:defRPr/>
+            </a:pPr>
+            <a:r>
+              <a:rPr lang="en-US" smtClean="0"/>
+              <a:t>© Talend 2013</a:t>
+            </a:r>
+            <a:endParaRPr lang="fr-FR"/>
+          </a:p>
+        </p:txBody>
+      </p:sp>
+      <p:sp>
+        <p:nvSpPr>
+          <p:cNvPr id="5" name="Rectangle 4"/>
+          <p:cNvSpPr/>
+          <p:nvPr/>
+        </p:nvSpPr>
+        <p:spPr>
+          <a:xfrm>
+            <a:off x="2123525" y="3804332"/>
+            <a:ext cx="914400" cy="914400"/>
+          </a:xfrm>
+          <a:prstGeom prst="rect">
+            <a:avLst/>
+          </a:prstGeom>
+          <a:gradFill>
+            <a:gsLst>
+              <a:gs pos="0">
+                <a:schemeClr val="tx1"/>
+              </a:gs>
+              <a:gs pos="100000">
+                <a:schemeClr val="tx1">
+                  <a:lumMod val="20000"/>
+                  <a:lumOff val="80000"/>
+                </a:schemeClr>
+              </a:gs>
+            </a:gsLst>
+          </a:gradFill>
+        </p:spPr>
+        <p:style>
+          <a:lnRef idx="1">
+            <a:schemeClr val="accent1"/>
+          </a:lnRef>
+          <a:fillRef idx="3">
+            <a:schemeClr val="accent1"/>
+          </a:fillRef>
+          <a:effectRef idx="2">
+            <a:schemeClr val="accent1"/>
+          </a:effectRef>
+          <a:fontRef idx="minor">
+            <a:schemeClr val="lt1"/>
+          </a:fontRef>
+        </p:style>
+        <p:txBody>
+          <a:bodyPr rtlCol="0" anchor="ctr"/>
+          <a:lstStyle/>
+          <a:p>
+            <a:pPr algn="ctr"/>
+            <a:r>
+              <a:rPr lang="en-US" dirty="0" smtClean="0">
+                <a:solidFill>
+                  <a:schemeClr val="tx2">
+                    <a:lumMod val="50000"/>
+                  </a:schemeClr>
+                </a:solidFill>
+              </a:rPr>
+              <a:t>ESB</a:t>
+            </a:r>
+            <a:endParaRPr lang="en-US" dirty="0">
+              <a:solidFill>
+                <a:schemeClr val="tx2">
+                  <a:lumMod val="50000"/>
+                </a:schemeClr>
+              </a:solidFill>
+            </a:endParaRPr>
+          </a:p>
+        </p:txBody>
+      </p:sp>
+      <p:sp>
+        <p:nvSpPr>
+          <p:cNvPr id="6" name="Rectangle 5"/>
+          <p:cNvSpPr/>
+          <p:nvPr/>
+        </p:nvSpPr>
+        <p:spPr>
+          <a:xfrm>
+            <a:off x="4202967" y="1975532"/>
+            <a:ext cx="914400" cy="914400"/>
+          </a:xfrm>
+          <a:prstGeom prst="rect">
+            <a:avLst/>
+          </a:prstGeom>
+          <a:gradFill>
+            <a:gsLst>
+              <a:gs pos="0">
+                <a:schemeClr val="tx1"/>
+              </a:gs>
+              <a:gs pos="100000">
+                <a:schemeClr val="tx1">
+                  <a:lumMod val="20000"/>
+                  <a:lumOff val="80000"/>
+                </a:schemeClr>
+              </a:gs>
+            </a:gsLst>
+          </a:gradFill>
+        </p:spPr>
+        <p:style>
+          <a:lnRef idx="1">
+            <a:schemeClr val="accent1"/>
+          </a:lnRef>
+          <a:fillRef idx="3">
+            <a:schemeClr val="accent1"/>
+          </a:fillRef>
+          <a:effectRef idx="2">
+            <a:schemeClr val="accent1"/>
+          </a:effectRef>
+          <a:fontRef idx="minor">
+            <a:schemeClr val="lt1"/>
+          </a:fontRef>
+        </p:style>
+        <p:txBody>
+          <a:bodyPr rtlCol="0" anchor="ctr"/>
+          <a:lstStyle/>
+          <a:p>
+            <a:pPr algn="ctr"/>
+            <a:r>
+              <a:rPr lang="en-US" dirty="0" err="1" smtClean="0">
+                <a:solidFill>
+                  <a:schemeClr val="tx2">
+                    <a:lumMod val="50000"/>
+                  </a:schemeClr>
+                </a:solidFill>
+              </a:rPr>
+              <a:t>ActiveMQ</a:t>
+            </a:r>
+            <a:endParaRPr lang="en-US" dirty="0">
+              <a:solidFill>
+                <a:schemeClr val="tx2">
+                  <a:lumMod val="50000"/>
+                </a:schemeClr>
+              </a:solidFill>
+            </a:endParaRPr>
+          </a:p>
+        </p:txBody>
+      </p:sp>
+      <p:sp>
+        <p:nvSpPr>
+          <p:cNvPr id="7" name="Rectangle 6"/>
+          <p:cNvSpPr/>
+          <p:nvPr/>
+        </p:nvSpPr>
+        <p:spPr>
+          <a:xfrm>
+            <a:off x="5721929" y="4122987"/>
+            <a:ext cx="914400" cy="914400"/>
+          </a:xfrm>
+          <a:prstGeom prst="rect">
+            <a:avLst/>
+          </a:prstGeom>
+        </p:spPr>
+        <p:style>
+          <a:lnRef idx="1">
+            <a:schemeClr val="accent1"/>
+          </a:lnRef>
+          <a:fillRef idx="3">
+            <a:schemeClr val="accent1"/>
+          </a:fillRef>
+          <a:effectRef idx="2">
+            <a:schemeClr val="accent1"/>
+          </a:effectRef>
+          <a:fontRef idx="minor">
+            <a:schemeClr val="lt1"/>
+          </a:fontRef>
+        </p:style>
+        <p:txBody>
+          <a:bodyPr rtlCol="0" anchor="ctr"/>
+          <a:lstStyle/>
+          <a:p>
+            <a:pPr algn="ctr"/>
+            <a:r>
+              <a:rPr lang="en-US" dirty="0" smtClean="0">
+                <a:solidFill>
+                  <a:schemeClr val="tx2">
+                    <a:lumMod val="50000"/>
+                  </a:schemeClr>
+                </a:solidFill>
+              </a:rPr>
+              <a:t>Mirth</a:t>
+            </a:r>
+            <a:endParaRPr lang="en-US" dirty="0">
+              <a:solidFill>
+                <a:schemeClr val="tx2">
+                  <a:lumMod val="50000"/>
+                </a:schemeClr>
+              </a:solidFill>
+            </a:endParaRPr>
+          </a:p>
+        </p:txBody>
+      </p:sp>
+      <p:cxnSp>
+        <p:nvCxnSpPr>
+          <p:cNvPr id="10" name="Straight Connector 9"/>
+          <p:cNvCxnSpPr>
+            <a:endCxn id="7" idx="1"/>
+          </p:cNvCxnSpPr>
+          <p:nvPr/>
+        </p:nvCxnSpPr>
+        <p:spPr>
+          <a:xfrm>
+            <a:off x="3037925" y="4386223"/>
+            <a:ext cx="2684004" cy="193964"/>
+          </a:xfrm>
+          <a:prstGeom prst="line">
+            <a:avLst/>
+          </a:prstGeom>
+        </p:spPr>
+        <p:style>
+          <a:lnRef idx="2">
+            <a:schemeClr val="accent1"/>
+          </a:lnRef>
+          <a:fillRef idx="0">
+            <a:schemeClr val="accent1"/>
+          </a:fillRef>
+          <a:effectRef idx="1">
+            <a:schemeClr val="accent1"/>
+          </a:effectRef>
+          <a:fontRef idx="minor">
+            <a:schemeClr val="tx1"/>
+          </a:fontRef>
+        </p:style>
+      </p:cxnSp>
+      <p:cxnSp>
+        <p:nvCxnSpPr>
+          <p:cNvPr id="12" name="Straight Connector 11"/>
+          <p:cNvCxnSpPr>
+            <a:endCxn id="6" idx="2"/>
+          </p:cNvCxnSpPr>
+          <p:nvPr/>
+        </p:nvCxnSpPr>
+        <p:spPr>
+          <a:xfrm flipV="1">
+            <a:off x="3037925" y="2889932"/>
+            <a:ext cx="1622242" cy="1496291"/>
+          </a:xfrm>
+          <a:prstGeom prst="line">
+            <a:avLst/>
+          </a:prstGeom>
+        </p:spPr>
+        <p:style>
+          <a:lnRef idx="2">
+            <a:schemeClr val="accent1"/>
+          </a:lnRef>
+          <a:fillRef idx="0">
+            <a:schemeClr val="accent1"/>
+          </a:fillRef>
+          <a:effectRef idx="1">
+            <a:schemeClr val="accent1"/>
+          </a:effectRef>
+          <a:fontRef idx="minor">
+            <a:schemeClr val="tx1"/>
+          </a:fontRef>
+        </p:style>
+      </p:cxnSp>
+      <p:cxnSp>
+        <p:nvCxnSpPr>
+          <p:cNvPr id="14" name="Straight Connector 13"/>
+          <p:cNvCxnSpPr>
+            <a:stCxn id="7" idx="0"/>
+            <a:endCxn id="6" idx="2"/>
+          </p:cNvCxnSpPr>
+          <p:nvPr/>
+        </p:nvCxnSpPr>
+        <p:spPr>
+          <a:xfrm flipH="1" flipV="1">
+            <a:off x="4660167" y="2889932"/>
+            <a:ext cx="1518962" cy="1233055"/>
+          </a:xfrm>
+          <a:prstGeom prst="line">
+            <a:avLst/>
+          </a:prstGeom>
+        </p:spPr>
+        <p:style>
+          <a:lnRef idx="2">
+            <a:schemeClr val="accent1"/>
+          </a:lnRef>
+          <a:fillRef idx="0">
+            <a:schemeClr val="accent1"/>
+          </a:fillRef>
+          <a:effectRef idx="1">
+            <a:schemeClr val="accent1"/>
+          </a:effectRef>
+          <a:fontRef idx="minor">
+            <a:schemeClr val="tx1"/>
+          </a:fontRef>
+        </p:style>
+      </p:cxnSp>
+      <p:sp>
+        <p:nvSpPr>
+          <p:cNvPr id="15" name="TextBox 14"/>
+          <p:cNvSpPr txBox="1"/>
+          <p:nvPr/>
+        </p:nvSpPr>
+        <p:spPr>
+          <a:xfrm>
+            <a:off x="4131175" y="4688503"/>
+            <a:ext cx="914400" cy="457200"/>
+          </a:xfrm>
+          <a:prstGeom prst="rect">
+            <a:avLst/>
+          </a:prstGeom>
+          <a:noFill/>
+        </p:spPr>
+        <p:txBody>
+          <a:bodyPr wrap="none" lIns="0" tIns="0" rIns="0" bIns="0" rtlCol="0" anchor="ctr">
+            <a:noAutofit/>
+          </a:bodyPr>
+          <a:lstStyle/>
+          <a:p>
+            <a:pPr algn="ctr"/>
+            <a:r>
+              <a:rPr lang="en-US" sz="1600" smtClean="0">
+                <a:solidFill>
+                  <a:schemeClr val="accent6"/>
+                </a:solidFill>
+              </a:rPr>
+              <a:t>MLLP</a:t>
+            </a:r>
+            <a:endParaRPr lang="en-US" sz="1600" dirty="0" smtClean="0">
+              <a:solidFill>
+                <a:schemeClr val="accent6"/>
+              </a:solidFill>
+            </a:endParaRPr>
+          </a:p>
+        </p:txBody>
+      </p:sp>
+      <p:sp>
+        <p:nvSpPr>
+          <p:cNvPr id="16" name="TextBox 15"/>
+          <p:cNvSpPr txBox="1"/>
+          <p:nvPr/>
+        </p:nvSpPr>
+        <p:spPr>
+          <a:xfrm>
+            <a:off x="3134907" y="3049259"/>
+            <a:ext cx="914400" cy="457200"/>
+          </a:xfrm>
+          <a:prstGeom prst="rect">
+            <a:avLst/>
+          </a:prstGeom>
+          <a:noFill/>
+        </p:spPr>
+        <p:txBody>
+          <a:bodyPr wrap="none" lIns="0" tIns="0" rIns="0" bIns="0" rtlCol="0" anchor="ctr">
+            <a:noAutofit/>
+          </a:bodyPr>
+          <a:lstStyle/>
+          <a:p>
+            <a:pPr algn="ctr"/>
+            <a:r>
+              <a:rPr lang="en-US" sz="1600" dirty="0" smtClean="0">
+                <a:solidFill>
+                  <a:schemeClr val="accent6"/>
+                </a:solidFill>
+              </a:rPr>
+              <a:t>JMS</a:t>
+            </a:r>
+            <a:endParaRPr lang="en-US" sz="1600" dirty="0" smtClean="0">
+              <a:solidFill>
+                <a:schemeClr val="accent6"/>
+              </a:solidFill>
+            </a:endParaRPr>
+          </a:p>
+        </p:txBody>
+      </p:sp>
+      <p:sp>
+        <p:nvSpPr>
+          <p:cNvPr id="17" name="TextBox 16"/>
+          <p:cNvSpPr txBox="1"/>
+          <p:nvPr/>
+        </p:nvSpPr>
+        <p:spPr>
+          <a:xfrm>
+            <a:off x="5516629" y="2973059"/>
+            <a:ext cx="914400" cy="457200"/>
+          </a:xfrm>
+          <a:prstGeom prst="rect">
+            <a:avLst/>
+          </a:prstGeom>
+          <a:noFill/>
+        </p:spPr>
+        <p:txBody>
+          <a:bodyPr wrap="none" lIns="0" tIns="0" rIns="0" bIns="0" rtlCol="0" anchor="ctr">
+            <a:noAutofit/>
+          </a:bodyPr>
+          <a:lstStyle/>
+          <a:p>
+            <a:pPr algn="ctr"/>
+            <a:r>
+              <a:rPr lang="en-US" sz="1600" dirty="0" smtClean="0">
+                <a:solidFill>
+                  <a:schemeClr val="accent6"/>
+                </a:solidFill>
+              </a:rPr>
+              <a:t>JMS</a:t>
+            </a:r>
+            <a:endParaRPr lang="en-US" sz="1600" dirty="0" smtClean="0">
+              <a:solidFill>
+                <a:schemeClr val="accent6"/>
+              </a:solidFill>
+            </a:endParaRPr>
+          </a:p>
+        </p:txBody>
+      </p:sp>
+    </p:spTree>
+    <p:extLst>
+      <p:ext uri="{BB962C8B-B14F-4D97-AF65-F5344CB8AC3E}">
+        <p14:creationId xmlns:p14="http://schemas.microsoft.com/office/powerpoint/2010/main" val="4164688724"/>
+      </p:ext>
+    </p:extLst>
+  </p:cSld>
+  <p:clrMapOvr>
+    <a:masterClrMapping/>
+  </p:clrMapOvr>
+</p:sld>
+</file>
+
+<file path=ppt/slides/slide18.xml><?xml version="1.0" encoding="utf-8"?>
+<p:sld xmlns:a="http://schemas.openxmlformats.org/drawingml/2006/main" xmlns:r="http://schemas.openxmlformats.org/officeDocument/2006/relationships" xmlns:p="http://schemas.openxmlformats.org/presentationml/2006/main">
+  <p:cSld>
+    <p:spTree>
+      <p:nvGrpSpPr>
+        <p:cNvPr id="1" name=""/>
+        <p:cNvGrpSpPr/>
+        <p:nvPr/>
+      </p:nvGrpSpPr>
+      <p:grpSpPr>
+        <a:xfrm>
+          <a:off x="0" y="0"/>
+          <a:ext cx="0" cy="0"/>
+          <a:chOff x="0" y="0"/>
+          <a:chExt cx="0" cy="0"/>
+        </a:xfrm>
+      </p:grpSpPr>
+      <p:sp>
+        <p:nvSpPr>
+          <p:cNvPr id="2" name="Title 1"/>
+          <p:cNvSpPr>
+            <a:spLocks noGrp="1"/>
+          </p:cNvSpPr>
+          <p:nvPr>
+            <p:ph type="title"/>
+          </p:nvPr>
+        </p:nvSpPr>
+        <p:spPr/>
+        <p:txBody>
+          <a:bodyPr/>
+          <a:lstStyle/>
+          <a:p>
+            <a:r>
+              <a:rPr lang="en-US" sz="2800" dirty="0" smtClean="0"/>
+              <a:t>VistA-HL7 Integration Procedure</a:t>
+            </a:r>
+            <a:endParaRPr lang="en-US" sz="2800" dirty="0"/>
+          </a:p>
+        </p:txBody>
+      </p:sp>
+      <p:sp>
+        <p:nvSpPr>
+          <p:cNvPr id="3" name="Content Placeholder 2"/>
+          <p:cNvSpPr>
+            <a:spLocks noGrp="1"/>
+          </p:cNvSpPr>
+          <p:nvPr>
+            <p:ph idx="1"/>
+          </p:nvPr>
+        </p:nvSpPr>
+        <p:spPr/>
+        <p:txBody>
+          <a:bodyPr/>
+          <a:lstStyle/>
+          <a:p>
+            <a:r>
+              <a:rPr lang="en-US" sz="2400" dirty="0"/>
+              <a:t>See Developers Guide for </a:t>
+            </a:r>
+            <a:r>
+              <a:rPr lang="en-US" sz="2400" dirty="0" smtClean="0"/>
+              <a:t>installation </a:t>
+            </a:r>
+            <a:r>
+              <a:rPr lang="en-US" sz="2400" dirty="0"/>
+              <a:t>and </a:t>
+            </a:r>
+            <a:r>
+              <a:rPr lang="en-US" sz="2400" dirty="0" err="1" smtClean="0"/>
+              <a:t>config</a:t>
+            </a:r>
+            <a:endParaRPr lang="en-US" sz="2400" dirty="0"/>
+          </a:p>
+          <a:p>
+            <a:pPr lvl="1"/>
+            <a:r>
+              <a:rPr lang="en-US" sz="1800" dirty="0" smtClean="0"/>
+              <a:t>All install and configuration have been done in VA environment</a:t>
+            </a:r>
+          </a:p>
+          <a:p>
+            <a:r>
+              <a:rPr lang="en-US" sz="2400" dirty="0" smtClean="0"/>
+              <a:t>Open VistA-HL7 Shortcut Folders</a:t>
+            </a:r>
+          </a:p>
+          <a:p>
+            <a:r>
+              <a:rPr lang="en-US" sz="2400" dirty="0" smtClean="0"/>
+              <a:t>Start </a:t>
+            </a:r>
+            <a:r>
+              <a:rPr lang="en-US" sz="2400" dirty="0" err="1"/>
+              <a:t>ActiveMQ</a:t>
+            </a:r>
+            <a:r>
+              <a:rPr lang="en-US" sz="2400" dirty="0"/>
+              <a:t> with </a:t>
+            </a:r>
+            <a:r>
+              <a:rPr lang="en-US" sz="2400" dirty="0" smtClean="0"/>
+              <a:t>shortcut</a:t>
+            </a:r>
+            <a:endParaRPr lang="en-US" sz="2400" dirty="0"/>
+          </a:p>
+          <a:p>
+            <a:r>
+              <a:rPr lang="en-US" sz="2400" dirty="0" smtClean="0"/>
+              <a:t>Start ESB Service with shortcut</a:t>
+            </a:r>
+          </a:p>
+          <a:p>
+            <a:r>
+              <a:rPr lang="en-US" sz="2400" dirty="0" smtClean="0"/>
+              <a:t>Start </a:t>
+            </a:r>
+            <a:r>
+              <a:rPr lang="en-US" sz="2400" dirty="0" err="1" smtClean="0"/>
+              <a:t>Karaf</a:t>
+            </a:r>
+            <a:r>
+              <a:rPr lang="en-US" sz="2400" dirty="0" smtClean="0"/>
+              <a:t> Client with shortcut (user </a:t>
+            </a:r>
+            <a:r>
+              <a:rPr lang="en-US" sz="2400" dirty="0" err="1" smtClean="0"/>
+              <a:t>karaf:karaf</a:t>
+            </a:r>
+            <a:r>
+              <a:rPr lang="en-US" sz="2400" dirty="0" smtClean="0"/>
+              <a:t>)</a:t>
+            </a:r>
+          </a:p>
+          <a:p>
+            <a:r>
+              <a:rPr lang="en-US" sz="2400" dirty="0"/>
+              <a:t>Tail </a:t>
+            </a:r>
+            <a:r>
+              <a:rPr lang="en-US" sz="2400" dirty="0" err="1"/>
+              <a:t>Karaf</a:t>
+            </a:r>
+            <a:r>
+              <a:rPr lang="en-US" sz="2400" dirty="0"/>
+              <a:t> log (from </a:t>
+            </a:r>
+            <a:r>
+              <a:rPr lang="en-US" sz="2400" dirty="0" err="1"/>
+              <a:t>Karaf</a:t>
+            </a:r>
+            <a:r>
+              <a:rPr lang="en-US" sz="2400" dirty="0"/>
+              <a:t> commandline)</a:t>
+            </a:r>
+          </a:p>
+          <a:p>
+            <a:pPr marL="0" indent="0">
+              <a:buNone/>
+            </a:pPr>
+            <a:r>
+              <a:rPr lang="en-US" sz="2400" dirty="0" smtClean="0"/>
+              <a:t>	&gt; </a:t>
+            </a:r>
+            <a:r>
+              <a:rPr lang="en-US" sz="2400" dirty="0" err="1" smtClean="0"/>
+              <a:t>log:tail</a:t>
+            </a:r>
+            <a:endParaRPr lang="en-US" sz="2400" dirty="0"/>
+          </a:p>
+          <a:p>
+            <a:r>
+              <a:rPr lang="en-US" sz="2400" dirty="0" smtClean="0"/>
+              <a:t>Start </a:t>
+            </a:r>
+            <a:r>
+              <a:rPr lang="en-US" sz="2400" dirty="0"/>
+              <a:t>Mirth </a:t>
+            </a:r>
+            <a:r>
+              <a:rPr lang="en-US" sz="2400" dirty="0" smtClean="0"/>
+              <a:t>Admin with shortcut (user </a:t>
+            </a:r>
+            <a:r>
+              <a:rPr lang="en-US" sz="2400" dirty="0" err="1" smtClean="0"/>
+              <a:t>admin:admin</a:t>
+            </a:r>
+            <a:r>
+              <a:rPr lang="en-US" sz="2400" dirty="0" smtClean="0"/>
+              <a:t>)</a:t>
+            </a:r>
+            <a:endParaRPr lang="en-US" sz="2400" dirty="0"/>
+          </a:p>
+          <a:p>
+            <a:r>
+              <a:rPr lang="en-US" sz="2400" dirty="0" smtClean="0"/>
+              <a:t>Start HL7 Inspector with shortcut</a:t>
+            </a:r>
+          </a:p>
+          <a:p>
+            <a:r>
+              <a:rPr lang="en-US" sz="2400" dirty="0" smtClean="0"/>
+              <a:t>Open </a:t>
+            </a:r>
+            <a:r>
+              <a:rPr lang="en-US" sz="2400" dirty="0" err="1" smtClean="0"/>
+              <a:t>ActiveMQ</a:t>
+            </a:r>
+            <a:r>
+              <a:rPr lang="en-US" sz="2400" dirty="0" smtClean="0"/>
+              <a:t> Web Console with shortcut</a:t>
+            </a:r>
+          </a:p>
+          <a:p>
+            <a:pPr lvl="1"/>
+            <a:endParaRPr lang="en-US" sz="2000" dirty="0" smtClean="0"/>
+          </a:p>
+          <a:p>
+            <a:endParaRPr lang="en-US" sz="2400" dirty="0" smtClean="0"/>
+          </a:p>
+        </p:txBody>
+      </p:sp>
+      <p:sp>
+        <p:nvSpPr>
+          <p:cNvPr id="4" name="Footer Placeholder 3"/>
+          <p:cNvSpPr>
+            <a:spLocks noGrp="1"/>
+          </p:cNvSpPr>
+          <p:nvPr>
+            <p:ph type="ftr" sz="quarter" idx="10"/>
+          </p:nvPr>
+        </p:nvSpPr>
+        <p:spPr/>
+        <p:txBody>
+          <a:bodyPr/>
+          <a:lstStyle/>
+          <a:p>
+            <a:pPr>
+              <a:defRPr/>
+            </a:pPr>
+            <a:r>
+              <a:rPr lang="en-US" smtClean="0"/>
+              <a:t>© Talend 2013</a:t>
+            </a:r>
+            <a:endParaRPr lang="fr-FR"/>
+          </a:p>
+        </p:txBody>
+      </p:sp>
+    </p:spTree>
+    <p:extLst>
+      <p:ext uri="{BB962C8B-B14F-4D97-AF65-F5344CB8AC3E}">
+        <p14:creationId xmlns:p14="http://schemas.microsoft.com/office/powerpoint/2010/main" val="2772873917"/>
+      </p:ext>
+    </p:extLst>
+  </p:cSld>
+  <p:clrMapOvr>
+    <a:masterClrMapping/>
+  </p:clrMapOvr>
+</p:sld>
+</file>
+
+<file path=ppt/slides/slide19.xml><?xml version="1.0" encoding="utf-8"?>
+<p:sld xmlns:a="http://schemas.openxmlformats.org/drawingml/2006/main" xmlns:r="http://schemas.openxmlformats.org/officeDocument/2006/relationships" xmlns:p="http://schemas.openxmlformats.org/presentationml/2006/main">
+  <p:cSld>
+    <p:spTree>
+      <p:nvGrpSpPr>
+        <p:cNvPr id="1" name=""/>
+        <p:cNvGrpSpPr/>
+        <p:nvPr/>
+      </p:nvGrpSpPr>
+      <p:grpSpPr>
+        <a:xfrm>
+          <a:off x="0" y="0"/>
+          <a:ext cx="0" cy="0"/>
+          <a:chOff x="0" y="0"/>
+          <a:chExt cx="0" cy="0"/>
+        </a:xfrm>
+      </p:grpSpPr>
+      <p:sp>
+        <p:nvSpPr>
+          <p:cNvPr id="2" name="Title 1"/>
+          <p:cNvSpPr>
+            <a:spLocks noGrp="1"/>
+          </p:cNvSpPr>
+          <p:nvPr>
+            <p:ph type="title"/>
+          </p:nvPr>
+        </p:nvSpPr>
+        <p:spPr/>
+        <p:txBody>
+          <a:bodyPr/>
+          <a:lstStyle/>
+          <a:p>
+            <a:r>
+              <a:rPr lang="en-US" dirty="0" smtClean="0"/>
+              <a:t>Send Messages to Mirth</a:t>
+            </a:r>
+            <a:endParaRPr lang="en-US" dirty="0"/>
+          </a:p>
+        </p:txBody>
+      </p:sp>
+      <p:sp>
+        <p:nvSpPr>
+          <p:cNvPr id="3" name="Content Placeholder 2"/>
+          <p:cNvSpPr>
+            <a:spLocks noGrp="1"/>
+          </p:cNvSpPr>
+          <p:nvPr>
+            <p:ph idx="1"/>
+          </p:nvPr>
+        </p:nvSpPr>
+        <p:spPr/>
+        <p:txBody>
+          <a:bodyPr/>
+          <a:lstStyle/>
+          <a:p>
+            <a:r>
+              <a:rPr lang="en-US" dirty="0" smtClean="0"/>
+              <a:t>Open a sample message from the HL7 Inspector sample folder</a:t>
+            </a:r>
+          </a:p>
+          <a:p>
+            <a:r>
+              <a:rPr lang="en-US" dirty="0" smtClean="0"/>
+              <a:t>Send </a:t>
+            </a:r>
+            <a:r>
+              <a:rPr lang="en-US" dirty="0"/>
+              <a:t>test message to Mirth ESB-MLLP-in </a:t>
+            </a:r>
+            <a:r>
+              <a:rPr lang="en-US" dirty="0" smtClean="0"/>
+              <a:t>(port 6664)</a:t>
+            </a:r>
+            <a:endParaRPr lang="en-US" dirty="0"/>
+          </a:p>
+          <a:p>
+            <a:pPr lvl="1"/>
+            <a:r>
+              <a:rPr lang="en-US" dirty="0"/>
+              <a:t>Observer only results in Mirth (we are mocking ESB</a:t>
+            </a:r>
+            <a:r>
+              <a:rPr lang="en-US" dirty="0" smtClean="0"/>
+              <a:t>)</a:t>
+            </a:r>
+          </a:p>
+          <a:p>
+            <a:pPr lvl="1"/>
+            <a:r>
+              <a:rPr lang="en-US" dirty="0" smtClean="0"/>
+              <a:t>Expect two messages, </a:t>
+            </a:r>
+            <a:r>
+              <a:rPr lang="en-US" dirty="0"/>
+              <a:t>one in each </a:t>
+            </a:r>
+            <a:r>
+              <a:rPr lang="en-US" dirty="0" err="1" smtClean="0"/>
+              <a:t>esb</a:t>
+            </a:r>
+            <a:r>
+              <a:rPr lang="en-US" dirty="0" smtClean="0"/>
+              <a:t>-</a:t>
+            </a:r>
+            <a:r>
+              <a:rPr lang="en-US" dirty="0" err="1" smtClean="0"/>
+              <a:t>mllp</a:t>
+            </a:r>
+            <a:r>
+              <a:rPr lang="en-US" dirty="0" smtClean="0"/>
+              <a:t>-in and </a:t>
+            </a:r>
+            <a:r>
+              <a:rPr lang="en-US" dirty="0" err="1" smtClean="0"/>
+              <a:t>esb</a:t>
+            </a:r>
+            <a:r>
+              <a:rPr lang="en-US" dirty="0" smtClean="0"/>
+              <a:t>-log</a:t>
+            </a:r>
+            <a:endParaRPr lang="en-US" dirty="0"/>
+          </a:p>
+          <a:p>
+            <a:endParaRPr lang="en-US" dirty="0" smtClean="0"/>
+          </a:p>
+          <a:p>
+            <a:r>
+              <a:rPr lang="en-US" dirty="0" smtClean="0"/>
+              <a:t>Send test message to Mirth Vista-MLLP-in via HL7 Inspector (port 6661)</a:t>
+            </a:r>
+          </a:p>
+          <a:p>
+            <a:pPr lvl="1"/>
+            <a:r>
+              <a:rPr lang="en-US" dirty="0" smtClean="0"/>
+              <a:t>Observe only results in Mirth (we are mocking VistA)</a:t>
+            </a:r>
+          </a:p>
+          <a:p>
+            <a:pPr lvl="1"/>
+            <a:r>
+              <a:rPr lang="en-US" dirty="0" smtClean="0"/>
+              <a:t>Expect two message, one in each of vista-</a:t>
+            </a:r>
+            <a:r>
+              <a:rPr lang="en-US" dirty="0" err="1" smtClean="0"/>
+              <a:t>mllp</a:t>
+            </a:r>
+            <a:r>
+              <a:rPr lang="en-US" dirty="0" smtClean="0"/>
+              <a:t>-in and vista-log</a:t>
+            </a:r>
+          </a:p>
+        </p:txBody>
+      </p:sp>
+      <p:sp>
+        <p:nvSpPr>
+          <p:cNvPr id="4" name="Footer Placeholder 3"/>
+          <p:cNvSpPr>
+            <a:spLocks noGrp="1"/>
+          </p:cNvSpPr>
+          <p:nvPr>
+            <p:ph type="ftr" sz="quarter" idx="10"/>
+          </p:nvPr>
+        </p:nvSpPr>
+        <p:spPr/>
+        <p:txBody>
+          <a:bodyPr/>
+          <a:lstStyle/>
+          <a:p>
+            <a:pPr>
+              <a:defRPr/>
+            </a:pPr>
+            <a:r>
+              <a:rPr lang="en-US" smtClean="0"/>
+              <a:t>© Talend 2013</a:t>
+            </a:r>
+            <a:endParaRPr lang="fr-FR"/>
+          </a:p>
+        </p:txBody>
+      </p:sp>
+    </p:spTree>
+    <p:extLst>
+      <p:ext uri="{BB962C8B-B14F-4D97-AF65-F5344CB8AC3E}">
+        <p14:creationId xmlns:p14="http://schemas.microsoft.com/office/powerpoint/2010/main" val="1079405354"/>
       </p:ext>
     </p:extLst>
   </p:cSld>
@@ -4098,6 +5072,882 @@
 </p:sld>
 </file>
 
+<file path=ppt/slides/slide20.xml><?xml version="1.0" encoding="utf-8"?>
+<p:sld xmlns:a="http://schemas.openxmlformats.org/drawingml/2006/main" xmlns:r="http://schemas.openxmlformats.org/officeDocument/2006/relationships" xmlns:p="http://schemas.openxmlformats.org/presentationml/2006/main">
+  <p:cSld>
+    <p:spTree>
+      <p:nvGrpSpPr>
+        <p:cNvPr id="1" name=""/>
+        <p:cNvGrpSpPr/>
+        <p:nvPr/>
+      </p:nvGrpSpPr>
+      <p:grpSpPr>
+        <a:xfrm>
+          <a:off x="0" y="0"/>
+          <a:ext cx="0" cy="0"/>
+          <a:chOff x="0" y="0"/>
+          <a:chExt cx="0" cy="0"/>
+        </a:xfrm>
+      </p:grpSpPr>
+      <p:sp>
+        <p:nvSpPr>
+          <p:cNvPr id="2" name="Title 1"/>
+          <p:cNvSpPr>
+            <a:spLocks noGrp="1"/>
+          </p:cNvSpPr>
+          <p:nvPr>
+            <p:ph type="title"/>
+          </p:nvPr>
+        </p:nvSpPr>
+        <p:spPr/>
+        <p:txBody>
+          <a:bodyPr/>
+          <a:lstStyle/>
+          <a:p>
+            <a:r>
+              <a:rPr lang="en-US" dirty="0" smtClean="0"/>
+              <a:t>Send Messages to ESB</a:t>
+            </a:r>
+            <a:endParaRPr lang="en-US" dirty="0"/>
+          </a:p>
+        </p:txBody>
+      </p:sp>
+      <p:sp>
+        <p:nvSpPr>
+          <p:cNvPr id="3" name="Content Placeholder 2"/>
+          <p:cNvSpPr>
+            <a:spLocks noGrp="1"/>
+          </p:cNvSpPr>
+          <p:nvPr>
+            <p:ph idx="1"/>
+          </p:nvPr>
+        </p:nvSpPr>
+        <p:spPr/>
+        <p:txBody>
+          <a:bodyPr/>
+          <a:lstStyle/>
+          <a:p>
+            <a:r>
+              <a:rPr lang="en-US" dirty="0"/>
+              <a:t>Send test message to ESB on ESB mirth (port 6662)</a:t>
+            </a:r>
+          </a:p>
+          <a:p>
+            <a:pPr lvl="1"/>
+            <a:r>
+              <a:rPr lang="en-US" dirty="0"/>
+              <a:t>Observe tail of ESB log</a:t>
+            </a:r>
+          </a:p>
+          <a:p>
+            <a:pPr lvl="1"/>
+            <a:r>
+              <a:rPr lang="en-US" dirty="0"/>
+              <a:t>Observer two messages in Mirth, </a:t>
+            </a:r>
+            <a:r>
+              <a:rPr lang="en-US" dirty="0" err="1"/>
+              <a:t>esb</a:t>
+            </a:r>
+            <a:r>
+              <a:rPr lang="en-US" dirty="0"/>
+              <a:t>-</a:t>
+            </a:r>
+            <a:r>
+              <a:rPr lang="en-US" dirty="0" err="1"/>
+              <a:t>mllp</a:t>
+            </a:r>
+            <a:r>
+              <a:rPr lang="en-US" dirty="0"/>
+              <a:t>-in and </a:t>
+            </a:r>
+            <a:r>
+              <a:rPr lang="en-US" dirty="0" err="1"/>
+              <a:t>esb</a:t>
+            </a:r>
+            <a:r>
+              <a:rPr lang="en-US" dirty="0"/>
+              <a:t>-log</a:t>
+            </a:r>
+          </a:p>
+          <a:p>
+            <a:pPr marL="0" indent="0">
+              <a:buNone/>
+            </a:pPr>
+            <a:endParaRPr lang="en-US" dirty="0" smtClean="0"/>
+          </a:p>
+          <a:p>
+            <a:r>
+              <a:rPr lang="en-US" dirty="0" smtClean="0"/>
+              <a:t>Send test message to ESB on ESB vista (port 663)</a:t>
+            </a:r>
+          </a:p>
+          <a:p>
+            <a:pPr lvl="1"/>
+            <a:r>
+              <a:rPr lang="en-US" dirty="0"/>
+              <a:t>Observe tail of ESB log</a:t>
+            </a:r>
+          </a:p>
+          <a:p>
+            <a:pPr lvl="1"/>
+            <a:r>
+              <a:rPr lang="en-US" dirty="0"/>
+              <a:t>Observer two messages in Mirth, </a:t>
+            </a:r>
+            <a:r>
+              <a:rPr lang="en-US" dirty="0" err="1"/>
+              <a:t>esb</a:t>
+            </a:r>
+            <a:r>
+              <a:rPr lang="en-US" dirty="0"/>
+              <a:t>-</a:t>
+            </a:r>
+            <a:r>
+              <a:rPr lang="en-US" dirty="0" err="1"/>
+              <a:t>mllp</a:t>
+            </a:r>
+            <a:r>
+              <a:rPr lang="en-US" dirty="0"/>
+              <a:t>-in and </a:t>
+            </a:r>
+            <a:r>
+              <a:rPr lang="en-US" dirty="0" err="1" smtClean="0"/>
+              <a:t>esb</a:t>
+            </a:r>
+            <a:r>
+              <a:rPr lang="en-US" dirty="0" smtClean="0"/>
+              <a:t>-log</a:t>
+            </a:r>
+          </a:p>
+          <a:p>
+            <a:endParaRPr lang="en-US" dirty="0"/>
+          </a:p>
+        </p:txBody>
+      </p:sp>
+      <p:sp>
+        <p:nvSpPr>
+          <p:cNvPr id="4" name="Footer Placeholder 3"/>
+          <p:cNvSpPr>
+            <a:spLocks noGrp="1"/>
+          </p:cNvSpPr>
+          <p:nvPr>
+            <p:ph type="ftr" sz="quarter" idx="10"/>
+          </p:nvPr>
+        </p:nvSpPr>
+        <p:spPr/>
+        <p:txBody>
+          <a:bodyPr/>
+          <a:lstStyle/>
+          <a:p>
+            <a:pPr>
+              <a:defRPr/>
+            </a:pPr>
+            <a:r>
+              <a:rPr lang="en-US" smtClean="0"/>
+              <a:t>© Talend 2013</a:t>
+            </a:r>
+            <a:endParaRPr lang="fr-FR"/>
+          </a:p>
+        </p:txBody>
+      </p:sp>
+    </p:spTree>
+    <p:extLst>
+      <p:ext uri="{BB962C8B-B14F-4D97-AF65-F5344CB8AC3E}">
+        <p14:creationId xmlns:p14="http://schemas.microsoft.com/office/powerpoint/2010/main" val="2050146084"/>
+      </p:ext>
+    </p:extLst>
+  </p:cSld>
+  <p:clrMapOvr>
+    <a:masterClrMapping/>
+  </p:clrMapOvr>
+</p:sld>
+</file>
+
+<file path=ppt/slides/slide21.xml><?xml version="1.0" encoding="utf-8"?>
+<p:sld xmlns:a="http://schemas.openxmlformats.org/drawingml/2006/main" xmlns:r="http://schemas.openxmlformats.org/officeDocument/2006/relationships" xmlns:p="http://schemas.openxmlformats.org/presentationml/2006/main">
+  <p:cSld>
+    <p:spTree>
+      <p:nvGrpSpPr>
+        <p:cNvPr id="1" name=""/>
+        <p:cNvGrpSpPr/>
+        <p:nvPr/>
+      </p:nvGrpSpPr>
+      <p:grpSpPr>
+        <a:xfrm>
+          <a:off x="0" y="0"/>
+          <a:ext cx="0" cy="0"/>
+          <a:chOff x="0" y="0"/>
+          <a:chExt cx="0" cy="0"/>
+        </a:xfrm>
+      </p:grpSpPr>
+      <p:sp>
+        <p:nvSpPr>
+          <p:cNvPr id="2" name="Title 1"/>
+          <p:cNvSpPr>
+            <a:spLocks noGrp="1"/>
+          </p:cNvSpPr>
+          <p:nvPr>
+            <p:ph type="title"/>
+          </p:nvPr>
+        </p:nvSpPr>
+        <p:spPr/>
+        <p:txBody>
+          <a:bodyPr/>
+          <a:lstStyle/>
+          <a:p>
+            <a:r>
+              <a:rPr lang="en-US" dirty="0" smtClean="0"/>
+              <a:t>Send Messages to ESB via </a:t>
+            </a:r>
+            <a:r>
+              <a:rPr lang="en-US" dirty="0" err="1" smtClean="0"/>
+              <a:t>ActiveMQ</a:t>
+            </a:r>
+            <a:endParaRPr lang="en-US" dirty="0"/>
+          </a:p>
+        </p:txBody>
+      </p:sp>
+      <p:sp>
+        <p:nvSpPr>
+          <p:cNvPr id="3" name="Content Placeholder 2"/>
+          <p:cNvSpPr>
+            <a:spLocks noGrp="1"/>
+          </p:cNvSpPr>
+          <p:nvPr>
+            <p:ph idx="1"/>
+          </p:nvPr>
+        </p:nvSpPr>
+        <p:spPr/>
+        <p:txBody>
+          <a:bodyPr/>
+          <a:lstStyle/>
+          <a:p>
+            <a:r>
+              <a:rPr lang="en-US" dirty="0" smtClean="0"/>
+              <a:t>Go to </a:t>
+            </a:r>
+            <a:r>
+              <a:rPr lang="en-US" dirty="0" err="1" smtClean="0"/>
+              <a:t>ActiveMQ</a:t>
+            </a:r>
+            <a:r>
+              <a:rPr lang="en-US" dirty="0" smtClean="0"/>
+              <a:t> Web Console and navigate to Queues</a:t>
+            </a:r>
+          </a:p>
+          <a:p>
+            <a:r>
+              <a:rPr lang="en-US" dirty="0" smtClean="0"/>
+              <a:t>Click on the Send To link for the mirth-hl7-out queue</a:t>
+            </a:r>
+          </a:p>
+          <a:p>
+            <a:endParaRPr lang="en-US" dirty="0"/>
+          </a:p>
+          <a:p>
+            <a:pPr marL="342900" lvl="1" indent="-342900">
+              <a:buClr>
+                <a:schemeClr val="tx1"/>
+              </a:buClr>
+              <a:buSzPct val="70000"/>
+              <a:buFont typeface="Lucida Grande" charset="0"/>
+              <a:buChar char="➜"/>
+            </a:pPr>
+            <a:r>
+              <a:rPr lang="en-US" sz="2800" dirty="0" smtClean="0">
+                <a:solidFill>
+                  <a:srgbClr val="657C95"/>
+                </a:solidFill>
+                <a:cs typeface="ＭＳ Ｐゴシック" charset="0"/>
+              </a:rPr>
+              <a:t>Open sample message from shortcut</a:t>
+            </a:r>
+          </a:p>
+          <a:p>
+            <a:pPr marL="342900" lvl="1" indent="-342900">
+              <a:buClr>
+                <a:schemeClr val="tx1"/>
+              </a:buClr>
+              <a:buSzPct val="70000"/>
+              <a:buFont typeface="Lucida Grande" charset="0"/>
+              <a:buChar char="➜"/>
+            </a:pPr>
+            <a:r>
+              <a:rPr lang="en-US" sz="2800" dirty="0" smtClean="0">
+                <a:solidFill>
+                  <a:srgbClr val="657C95"/>
+                </a:solidFill>
+                <a:cs typeface="ＭＳ Ｐゴシック" charset="0"/>
+              </a:rPr>
+              <a:t>Copy and paste contents into Message Body form</a:t>
+            </a:r>
+          </a:p>
+          <a:p>
+            <a:pPr marL="342900" lvl="1" indent="-342900">
+              <a:buClr>
+                <a:schemeClr val="tx1"/>
+              </a:buClr>
+              <a:buSzPct val="70000"/>
+              <a:buFont typeface="Lucida Grande" charset="0"/>
+              <a:buChar char="➜"/>
+            </a:pPr>
+            <a:r>
+              <a:rPr lang="en-US" sz="2800" dirty="0" smtClean="0">
+                <a:solidFill>
+                  <a:srgbClr val="657C95"/>
+                </a:solidFill>
+                <a:cs typeface="ＭＳ Ｐゴシック" charset="0"/>
+              </a:rPr>
+              <a:t>Click Send</a:t>
+            </a:r>
+          </a:p>
+          <a:p>
+            <a:pPr marL="342900" lvl="1" indent="-342900">
+              <a:buClr>
+                <a:schemeClr val="tx1"/>
+              </a:buClr>
+              <a:buSzPct val="70000"/>
+              <a:buFont typeface="Lucida Grande" charset="0"/>
+              <a:buChar char="➜"/>
+            </a:pPr>
+            <a:endParaRPr lang="en-US" sz="2800" dirty="0" smtClean="0">
+              <a:solidFill>
+                <a:srgbClr val="657C95"/>
+              </a:solidFill>
+              <a:cs typeface="ＭＳ Ｐゴシック" charset="0"/>
+            </a:endParaRPr>
+          </a:p>
+          <a:p>
+            <a:pPr marL="342900" lvl="1" indent="-342900">
+              <a:buClr>
+                <a:schemeClr val="tx1"/>
+              </a:buClr>
+              <a:buSzPct val="70000"/>
+              <a:buFont typeface="Lucida Grande" charset="0"/>
+              <a:buChar char="➜"/>
+            </a:pPr>
+            <a:r>
+              <a:rPr lang="en-US" sz="2800" dirty="0" smtClean="0">
+                <a:solidFill>
+                  <a:srgbClr val="657C95"/>
+                </a:solidFill>
+                <a:cs typeface="ＭＳ Ｐゴシック" charset="0"/>
+              </a:rPr>
+              <a:t>Observe tail of ESB log</a:t>
+            </a:r>
+          </a:p>
+          <a:p>
+            <a:pPr marL="617537" lvl="2" indent="-342900">
+              <a:buSzPct val="70000"/>
+              <a:buFont typeface="Lucida Grande" charset="0"/>
+              <a:buChar char="➜"/>
+            </a:pPr>
+            <a:r>
+              <a:rPr lang="en-US" dirty="0" smtClean="0">
+                <a:solidFill>
+                  <a:srgbClr val="657C95"/>
+                </a:solidFill>
+                <a:cs typeface="ＭＳ Ｐゴシック" charset="0"/>
+              </a:rPr>
+              <a:t>Observe two message in </a:t>
+            </a:r>
+            <a:r>
+              <a:rPr lang="en-US" dirty="0">
+                <a:solidFill>
+                  <a:srgbClr val="657C95"/>
+                </a:solidFill>
+                <a:cs typeface="ＭＳ Ｐゴシック" charset="0"/>
+              </a:rPr>
+              <a:t>VistA, </a:t>
+            </a:r>
+            <a:r>
+              <a:rPr lang="en-US" dirty="0" err="1">
+                <a:solidFill>
+                  <a:srgbClr val="657C95"/>
+                </a:solidFill>
+                <a:cs typeface="ＭＳ Ｐゴシック" charset="0"/>
+              </a:rPr>
+              <a:t>esb</a:t>
+            </a:r>
+            <a:r>
+              <a:rPr lang="en-US" dirty="0">
+                <a:solidFill>
+                  <a:srgbClr val="657C95"/>
+                </a:solidFill>
+                <a:cs typeface="ＭＳ Ｐゴシック" charset="0"/>
+              </a:rPr>
+              <a:t>-</a:t>
+            </a:r>
+            <a:r>
+              <a:rPr lang="en-US" dirty="0" err="1">
+                <a:solidFill>
+                  <a:srgbClr val="657C95"/>
+                </a:solidFill>
+                <a:cs typeface="ＭＳ Ｐゴシック" charset="0"/>
+              </a:rPr>
+              <a:t>mllp</a:t>
+            </a:r>
+            <a:r>
+              <a:rPr lang="en-US" dirty="0">
+                <a:solidFill>
+                  <a:srgbClr val="657C95"/>
+                </a:solidFill>
+                <a:cs typeface="ＭＳ Ｐゴシック" charset="0"/>
+              </a:rPr>
+              <a:t>-in and </a:t>
+            </a:r>
+            <a:r>
+              <a:rPr lang="en-US" dirty="0" err="1">
+                <a:solidFill>
+                  <a:srgbClr val="657C95"/>
+                </a:solidFill>
+                <a:cs typeface="ＭＳ Ｐゴシック" charset="0"/>
+              </a:rPr>
+              <a:t>esb</a:t>
+            </a:r>
+            <a:r>
+              <a:rPr lang="en-US" dirty="0">
+                <a:solidFill>
+                  <a:srgbClr val="657C95"/>
+                </a:solidFill>
+                <a:cs typeface="ＭＳ Ｐゴシック" charset="0"/>
+              </a:rPr>
+              <a:t>-log</a:t>
+            </a:r>
+          </a:p>
+          <a:p>
+            <a:pPr marL="617537" lvl="2" indent="-342900">
+              <a:buSzPct val="70000"/>
+              <a:buFont typeface="Lucida Grande" charset="0"/>
+              <a:buChar char="➜"/>
+            </a:pPr>
+            <a:r>
+              <a:rPr lang="en-US" dirty="0" smtClean="0">
+                <a:solidFill>
+                  <a:srgbClr val="657C95"/>
+                </a:solidFill>
+                <a:cs typeface="ＭＳ Ｐゴシック" charset="0"/>
+              </a:rPr>
+              <a:t>ESB receives JMS and routed to Mirth</a:t>
+            </a:r>
+            <a:endParaRPr lang="en-US" dirty="0">
+              <a:solidFill>
+                <a:srgbClr val="657C95"/>
+              </a:solidFill>
+              <a:cs typeface="ＭＳ Ｐゴシック" charset="0"/>
+            </a:endParaRPr>
+          </a:p>
+          <a:p>
+            <a:pPr marL="0" lvl="1" indent="0">
+              <a:buClr>
+                <a:schemeClr val="tx1"/>
+              </a:buClr>
+              <a:buSzPct val="70000"/>
+              <a:buNone/>
+            </a:pPr>
+            <a:endParaRPr lang="en-US" sz="2800" dirty="0">
+              <a:solidFill>
+                <a:srgbClr val="657C95"/>
+              </a:solidFill>
+              <a:cs typeface="ＭＳ Ｐゴシック" charset="0"/>
+            </a:endParaRPr>
+          </a:p>
+          <a:p>
+            <a:endParaRPr lang="en-US" dirty="0"/>
+          </a:p>
+        </p:txBody>
+      </p:sp>
+      <p:sp>
+        <p:nvSpPr>
+          <p:cNvPr id="4" name="Footer Placeholder 3"/>
+          <p:cNvSpPr>
+            <a:spLocks noGrp="1"/>
+          </p:cNvSpPr>
+          <p:nvPr>
+            <p:ph type="ftr" sz="quarter" idx="10"/>
+          </p:nvPr>
+        </p:nvSpPr>
+        <p:spPr/>
+        <p:txBody>
+          <a:bodyPr/>
+          <a:lstStyle/>
+          <a:p>
+            <a:pPr>
+              <a:defRPr/>
+            </a:pPr>
+            <a:r>
+              <a:rPr lang="en-US" smtClean="0"/>
+              <a:t>© Talend 2013</a:t>
+            </a:r>
+            <a:endParaRPr lang="fr-FR"/>
+          </a:p>
+        </p:txBody>
+      </p:sp>
+    </p:spTree>
+    <p:extLst>
+      <p:ext uri="{BB962C8B-B14F-4D97-AF65-F5344CB8AC3E}">
+        <p14:creationId xmlns:p14="http://schemas.microsoft.com/office/powerpoint/2010/main" val="1124946056"/>
+      </p:ext>
+    </p:extLst>
+  </p:cSld>
+  <p:clrMapOvr>
+    <a:masterClrMapping/>
+  </p:clrMapOvr>
+</p:sld>
+</file>
+
+<file path=ppt/slides/slide22.xml><?xml version="1.0" encoding="utf-8"?>
+<p:sld xmlns:a="http://schemas.openxmlformats.org/drawingml/2006/main" xmlns:r="http://schemas.openxmlformats.org/officeDocument/2006/relationships" xmlns:p="http://schemas.openxmlformats.org/presentationml/2006/main">
+  <p:cSld>
+    <p:spTree>
+      <p:nvGrpSpPr>
+        <p:cNvPr id="1" name=""/>
+        <p:cNvGrpSpPr/>
+        <p:nvPr/>
+      </p:nvGrpSpPr>
+      <p:grpSpPr>
+        <a:xfrm>
+          <a:off x="0" y="0"/>
+          <a:ext cx="0" cy="0"/>
+          <a:chOff x="0" y="0"/>
+          <a:chExt cx="0" cy="0"/>
+        </a:xfrm>
+      </p:grpSpPr>
+      <p:sp>
+        <p:nvSpPr>
+          <p:cNvPr id="2" name="Title 1"/>
+          <p:cNvSpPr>
+            <a:spLocks noGrp="1"/>
+          </p:cNvSpPr>
+          <p:nvPr>
+            <p:ph type="title"/>
+          </p:nvPr>
+        </p:nvSpPr>
+        <p:spPr/>
+        <p:txBody>
+          <a:bodyPr/>
+          <a:lstStyle/>
+          <a:p>
+            <a:r>
+              <a:rPr lang="en-US" dirty="0" smtClean="0"/>
+              <a:t>Send Messages to Mirth via </a:t>
+            </a:r>
+            <a:r>
+              <a:rPr lang="en-US" dirty="0" err="1" smtClean="0"/>
+              <a:t>ActiveMQ</a:t>
+            </a:r>
+            <a:endParaRPr lang="en-US" dirty="0"/>
+          </a:p>
+        </p:txBody>
+      </p:sp>
+      <p:sp>
+        <p:nvSpPr>
+          <p:cNvPr id="3" name="Content Placeholder 2"/>
+          <p:cNvSpPr>
+            <a:spLocks noGrp="1"/>
+          </p:cNvSpPr>
+          <p:nvPr>
+            <p:ph idx="1"/>
+          </p:nvPr>
+        </p:nvSpPr>
+        <p:spPr/>
+        <p:txBody>
+          <a:bodyPr/>
+          <a:lstStyle/>
+          <a:p>
+            <a:r>
+              <a:rPr lang="en-US" dirty="0" smtClean="0"/>
+              <a:t>Go to </a:t>
+            </a:r>
+            <a:r>
+              <a:rPr lang="en-US" dirty="0" err="1" smtClean="0"/>
+              <a:t>ActiveMQ</a:t>
+            </a:r>
+            <a:r>
+              <a:rPr lang="en-US" dirty="0" smtClean="0"/>
+              <a:t> Web Console and navigate to Queues</a:t>
+            </a:r>
+          </a:p>
+          <a:p>
+            <a:r>
+              <a:rPr lang="en-US" dirty="0" smtClean="0"/>
+              <a:t>Click on the Send To link for the mirth-hl7-in queue</a:t>
+            </a:r>
+          </a:p>
+          <a:p>
+            <a:endParaRPr lang="en-US" dirty="0"/>
+          </a:p>
+          <a:p>
+            <a:pPr marL="342900" lvl="1" indent="-342900">
+              <a:buClr>
+                <a:schemeClr val="tx1"/>
+              </a:buClr>
+              <a:buSzPct val="70000"/>
+              <a:buFont typeface="Lucida Grande" charset="0"/>
+              <a:buChar char="➜"/>
+            </a:pPr>
+            <a:r>
+              <a:rPr lang="en-US" sz="2800" dirty="0" smtClean="0">
+                <a:solidFill>
+                  <a:srgbClr val="657C95"/>
+                </a:solidFill>
+                <a:cs typeface="ＭＳ Ｐゴシック" charset="0"/>
+              </a:rPr>
+              <a:t>Open sample message from shortcut</a:t>
+            </a:r>
+          </a:p>
+          <a:p>
+            <a:pPr marL="342900" lvl="1" indent="-342900">
+              <a:buClr>
+                <a:schemeClr val="tx1"/>
+              </a:buClr>
+              <a:buSzPct val="70000"/>
+              <a:buFont typeface="Lucida Grande" charset="0"/>
+              <a:buChar char="➜"/>
+            </a:pPr>
+            <a:r>
+              <a:rPr lang="en-US" sz="2800" dirty="0" smtClean="0">
+                <a:solidFill>
+                  <a:srgbClr val="657C95"/>
+                </a:solidFill>
+                <a:cs typeface="ＭＳ Ｐゴシック" charset="0"/>
+              </a:rPr>
+              <a:t>Copy and paste contents into Message Body form</a:t>
+            </a:r>
+          </a:p>
+          <a:p>
+            <a:pPr marL="342900" lvl="1" indent="-342900">
+              <a:buClr>
+                <a:schemeClr val="tx1"/>
+              </a:buClr>
+              <a:buSzPct val="70000"/>
+              <a:buFont typeface="Lucida Grande" charset="0"/>
+              <a:buChar char="➜"/>
+            </a:pPr>
+            <a:r>
+              <a:rPr lang="en-US" sz="2800" dirty="0" smtClean="0">
+                <a:solidFill>
+                  <a:srgbClr val="657C95"/>
+                </a:solidFill>
+                <a:cs typeface="ＭＳ Ｐゴシック" charset="0"/>
+              </a:rPr>
+              <a:t>Click Send</a:t>
+            </a:r>
+          </a:p>
+          <a:p>
+            <a:pPr marL="342900" lvl="1" indent="-342900">
+              <a:buClr>
+                <a:schemeClr val="tx1"/>
+              </a:buClr>
+              <a:buSzPct val="70000"/>
+              <a:buFont typeface="Lucida Grande" charset="0"/>
+              <a:buChar char="➜"/>
+            </a:pPr>
+            <a:endParaRPr lang="en-US" sz="2800" dirty="0" smtClean="0">
+              <a:solidFill>
+                <a:srgbClr val="657C95"/>
+              </a:solidFill>
+              <a:cs typeface="ＭＳ Ｐゴシック" charset="0"/>
+            </a:endParaRPr>
+          </a:p>
+          <a:p>
+            <a:pPr marL="342900" lvl="1" indent="-342900">
+              <a:buClr>
+                <a:schemeClr val="tx1"/>
+              </a:buClr>
+              <a:buSzPct val="70000"/>
+              <a:buFont typeface="Lucida Grande" charset="0"/>
+              <a:buChar char="➜"/>
+            </a:pPr>
+            <a:r>
+              <a:rPr lang="en-US" sz="2800" dirty="0" smtClean="0">
+                <a:solidFill>
+                  <a:srgbClr val="657C95"/>
+                </a:solidFill>
+                <a:cs typeface="ＭＳ Ｐゴシック" charset="0"/>
+              </a:rPr>
+              <a:t>Observe tail of ESB log</a:t>
+            </a:r>
+          </a:p>
+          <a:p>
+            <a:pPr marL="617537" lvl="2" indent="-342900">
+              <a:buSzPct val="70000"/>
+              <a:buFont typeface="Lucida Grande" charset="0"/>
+              <a:buChar char="➜"/>
+            </a:pPr>
+            <a:r>
+              <a:rPr lang="en-US" dirty="0" smtClean="0">
+                <a:solidFill>
+                  <a:srgbClr val="657C95"/>
+                </a:solidFill>
+                <a:cs typeface="ＭＳ Ｐゴシック" charset="0"/>
+              </a:rPr>
+              <a:t>Observe four message in VistA, activemq.in, </a:t>
+            </a:r>
+            <a:r>
+              <a:rPr lang="en-US" dirty="0" err="1" smtClean="0">
+                <a:solidFill>
+                  <a:srgbClr val="657C95"/>
+                </a:solidFill>
+                <a:cs typeface="ＭＳ Ｐゴシック" charset="0"/>
+              </a:rPr>
+              <a:t>activemq.out</a:t>
+            </a:r>
+            <a:r>
+              <a:rPr lang="en-US" dirty="0">
+                <a:solidFill>
+                  <a:srgbClr val="657C95"/>
+                </a:solidFill>
+                <a:cs typeface="ＭＳ Ｐゴシック" charset="0"/>
+              </a:rPr>
+              <a:t>, </a:t>
+            </a:r>
+            <a:r>
+              <a:rPr lang="en-US" dirty="0" err="1">
+                <a:solidFill>
+                  <a:srgbClr val="657C95"/>
+                </a:solidFill>
+                <a:cs typeface="ＭＳ Ｐゴシック" charset="0"/>
+              </a:rPr>
+              <a:t>esb</a:t>
+            </a:r>
+            <a:r>
+              <a:rPr lang="en-US" dirty="0">
+                <a:solidFill>
+                  <a:srgbClr val="657C95"/>
+                </a:solidFill>
+                <a:cs typeface="ＭＳ Ｐゴシック" charset="0"/>
+              </a:rPr>
+              <a:t>-</a:t>
+            </a:r>
+            <a:r>
+              <a:rPr lang="en-US" dirty="0" err="1">
+                <a:solidFill>
+                  <a:srgbClr val="657C95"/>
+                </a:solidFill>
+                <a:cs typeface="ＭＳ Ｐゴシック" charset="0"/>
+              </a:rPr>
+              <a:t>mllp</a:t>
+            </a:r>
+            <a:r>
+              <a:rPr lang="en-US" dirty="0">
+                <a:solidFill>
+                  <a:srgbClr val="657C95"/>
+                </a:solidFill>
+                <a:cs typeface="ＭＳ Ｐゴシック" charset="0"/>
+              </a:rPr>
+              <a:t>-in </a:t>
+            </a:r>
+            <a:r>
+              <a:rPr lang="en-US" dirty="0">
+                <a:solidFill>
+                  <a:srgbClr val="657C95"/>
+                </a:solidFill>
+                <a:cs typeface="ＭＳ Ｐゴシック" charset="0"/>
+              </a:rPr>
+              <a:t>and </a:t>
+            </a:r>
+            <a:r>
+              <a:rPr lang="en-US" dirty="0" err="1">
+                <a:solidFill>
+                  <a:srgbClr val="657C95"/>
+                </a:solidFill>
+                <a:cs typeface="ＭＳ Ｐゴシック" charset="0"/>
+              </a:rPr>
+              <a:t>esb</a:t>
+            </a:r>
+            <a:r>
+              <a:rPr lang="en-US" dirty="0">
+                <a:solidFill>
+                  <a:srgbClr val="657C95"/>
+                </a:solidFill>
+                <a:cs typeface="ＭＳ Ｐゴシック" charset="0"/>
+              </a:rPr>
+              <a:t>-log</a:t>
+            </a:r>
+          </a:p>
+          <a:p>
+            <a:pPr marL="617537" lvl="2" indent="-342900">
+              <a:buSzPct val="70000"/>
+              <a:buFont typeface="Lucida Grande" charset="0"/>
+              <a:buChar char="➜"/>
+            </a:pPr>
+            <a:r>
+              <a:rPr lang="en-US" dirty="0" smtClean="0">
+                <a:solidFill>
+                  <a:srgbClr val="657C95"/>
+                </a:solidFill>
+                <a:cs typeface="ＭＳ Ｐゴシック" charset="0"/>
+              </a:rPr>
+              <a:t>ESB receives JMS and routed to Mirth</a:t>
+            </a:r>
+            <a:endParaRPr lang="en-US" dirty="0">
+              <a:solidFill>
+                <a:srgbClr val="657C95"/>
+              </a:solidFill>
+              <a:cs typeface="ＭＳ Ｐゴシック" charset="0"/>
+            </a:endParaRPr>
+          </a:p>
+          <a:p>
+            <a:pPr marL="0" lvl="1" indent="0">
+              <a:buClr>
+                <a:schemeClr val="tx1"/>
+              </a:buClr>
+              <a:buSzPct val="70000"/>
+              <a:buNone/>
+            </a:pPr>
+            <a:endParaRPr lang="en-US" sz="2800" dirty="0">
+              <a:solidFill>
+                <a:srgbClr val="657C95"/>
+              </a:solidFill>
+              <a:cs typeface="ＭＳ Ｐゴシック" charset="0"/>
+            </a:endParaRPr>
+          </a:p>
+          <a:p>
+            <a:endParaRPr lang="en-US" dirty="0"/>
+          </a:p>
+        </p:txBody>
+      </p:sp>
+      <p:sp>
+        <p:nvSpPr>
+          <p:cNvPr id="4" name="Footer Placeholder 3"/>
+          <p:cNvSpPr>
+            <a:spLocks noGrp="1"/>
+          </p:cNvSpPr>
+          <p:nvPr>
+            <p:ph type="ftr" sz="quarter" idx="10"/>
+          </p:nvPr>
+        </p:nvSpPr>
+        <p:spPr/>
+        <p:txBody>
+          <a:bodyPr/>
+          <a:lstStyle/>
+          <a:p>
+            <a:pPr>
+              <a:defRPr/>
+            </a:pPr>
+            <a:r>
+              <a:rPr lang="en-US" smtClean="0"/>
+              <a:t>© Talend 2013</a:t>
+            </a:r>
+            <a:endParaRPr lang="fr-FR"/>
+          </a:p>
+        </p:txBody>
+      </p:sp>
+    </p:spTree>
+    <p:extLst>
+      <p:ext uri="{BB962C8B-B14F-4D97-AF65-F5344CB8AC3E}">
+        <p14:creationId xmlns:p14="http://schemas.microsoft.com/office/powerpoint/2010/main" val="3660669573"/>
+      </p:ext>
+    </p:extLst>
+  </p:cSld>
+  <p:clrMapOvr>
+    <a:masterClrMapping/>
+  </p:clrMapOvr>
+</p:sld>
+</file>
+
 <file path=ppt/slides/slide3.xml><?xml version="1.0" encoding="utf-8"?>
 <p:sld xmlns:a="http://schemas.openxmlformats.org/drawingml/2006/main" xmlns:r="http://schemas.openxmlformats.org/officeDocument/2006/relationships" xmlns:p="http://schemas.openxmlformats.org/presentationml/2006/main">
   <p:cSld>
@@ -4160,11 +6010,7 @@
           <a:p>
             <a:r>
               <a:rPr lang="en-US" sz="2400" dirty="0" smtClean="0"/>
-              <a:t>Mediate RPC messages between VistA clients and </a:t>
-            </a:r>
-            <a:r>
-              <a:rPr lang="en-US" sz="2400" dirty="0" smtClean="0"/>
-              <a:t>servers</a:t>
+              <a:t>Mediate RPC messages between VistA clients and servers</a:t>
             </a:r>
           </a:p>
           <a:p>
@@ -4374,21 +6220,8 @@
             </a:r>
             <a:r>
               <a:rPr lang="en-US" sz="2400" dirty="0" smtClean="0"/>
-              <a:t>message </a:t>
-            </a:r>
-            <a:r>
-              <a:rPr lang="en-US" sz="2400" dirty="0" smtClean="0"/>
-              <a:t>via MLLP </a:t>
-            </a:r>
-            <a:r>
-              <a:rPr lang="en-US" sz="2400" dirty="0" smtClean="0"/>
-              <a:t>/ JMS / HTTP / </a:t>
-            </a:r>
-            <a:r>
-              <a:rPr lang="en-US" sz="2400" dirty="0" smtClean="0"/>
-              <a:t>SOAP</a:t>
-            </a:r>
-            <a:endParaRPr lang="en-US" sz="2400" dirty="0" smtClean="0"/>
+              <a:t>message via MLLP / JMS / HTTP / SOAP</a:t>
+            </a:r>
           </a:p>
           <a:p>
             <a:endParaRPr lang="en-US" sz="2400" dirty="0" smtClean="0"/>
@@ -4665,11 +6498,7 @@
           <a:p>
             <a:r>
               <a:rPr lang="en-US" dirty="0" smtClean="0"/>
-              <a:t>HL7 </a:t>
-            </a:r>
-            <a:r>
-              <a:rPr lang="en-US" dirty="0" smtClean="0"/>
-              <a:t>Events</a:t>
+              <a:t>HL7 Events</a:t>
             </a:r>
             <a:endParaRPr lang="en-US" dirty="0"/>
           </a:p>
@@ -4706,11 +6535,7 @@
           <a:p>
             <a:r>
               <a:rPr lang="en-US" sz="2400" dirty="0" smtClean="0"/>
-              <a:t>Mediate and distribute </a:t>
-            </a:r>
-            <a:r>
-              <a:rPr lang="en-US" sz="2400" dirty="0" smtClean="0"/>
-              <a:t>events with Camel </a:t>
+              <a:t>Mediate and distribute events with Camel </a:t>
             </a:r>
           </a:p>
           <a:p>
@@ -4728,13 +6553,8 @@
             <a:pPr lvl="1"/>
             <a:r>
               <a:rPr lang="en-US" sz="2000" dirty="0" smtClean="0"/>
-              <a:t>Camel </a:t>
-            </a:r>
-            <a:r>
-              <a:rPr lang="en-US" sz="2000" dirty="0" smtClean="0"/>
-              <a:t>to Mirth with JMS or MLLP</a:t>
-            </a:r>
-            <a:endParaRPr lang="en-US" sz="2000" dirty="0" smtClean="0"/>
+              <a:t>Camel to Mirth with JMS or MLLP</a:t>
+            </a:r>
           </a:p>
           <a:p>
             <a:endParaRPr lang="en-US" sz="2400" dirty="0" smtClean="0"/>
@@ -4742,11 +6562,7 @@
           <a:p>
             <a:r>
               <a:rPr lang="en-US" sz="2400" dirty="0" smtClean="0"/>
-              <a:t>Log events in </a:t>
-            </a:r>
-            <a:r>
-              <a:rPr lang="en-US" sz="2400" dirty="0" smtClean="0"/>
-              <a:t>Mirth for demo</a:t>
+              <a:t>Log events in Mirth for demo</a:t>
             </a:r>
           </a:p>
           <a:p>
@@ -4757,7 +6573,6 @@
               <a:rPr lang="en-US" sz="2400" dirty="0" smtClean="0"/>
               <a:t>Connectivity with Mirth provides bridge to IEHR</a:t>
             </a:r>
-            <a:endParaRPr lang="en-US" sz="2400" dirty="0" smtClean="0"/>
           </a:p>
         </p:txBody>
       </p:sp>
@@ -4916,21 +6731,8 @@
           <a:p>
             <a:r>
               <a:rPr lang="en-US" dirty="0" smtClean="0"/>
-              <a:t>Proxy </a:t>
-            </a:r>
-            <a:r>
-              <a:rPr lang="en-US" dirty="0" smtClean="0"/>
-              <a:t>VistA </a:t>
-            </a:r>
-            <a:r>
-              <a:rPr lang="en-US" dirty="0" smtClean="0"/>
-              <a:t>as the Data Access </a:t>
-            </a:r>
-            <a:r>
-              <a:rPr lang="en-US" dirty="0" smtClean="0"/>
-              <a:t>Layer with RPC as the “Stored Procedure” transport</a:t>
-            </a:r>
-            <a:endParaRPr lang="en-US" dirty="0" smtClean="0"/>
+              <a:t>Proxy VistA as the Data Access Layer with RPC as the “Stored Procedure” transport</a:t>
+            </a:r>
           </a:p>
           <a:p>
             <a:endParaRPr lang="en-US" dirty="0"/>
